--- a/Slides/11. Construção do Jogo PacMan.pptx
+++ b/Slides/11. Construção do Jogo PacMan.pptx
@@ -154,7 +154,7 @@
   <pc:docChgLst>
     <pc:chgData name="Judson Santiago" userId="ebb108da2f256286" providerId="LiveId" clId="{373F838E-5C2C-4165-ADE2-029FA20D86FA}"/>
     <pc:docChg chg="undo custSel addSld delSld modSld modMainMaster">
-      <pc:chgData name="Judson Santiago" userId="ebb108da2f256286" providerId="LiveId" clId="{373F838E-5C2C-4165-ADE2-029FA20D86FA}" dt="2021-08-26T18:31:16.978" v="5873" actId="207"/>
+      <pc:chgData name="Judson Santiago" userId="ebb108da2f256286" providerId="LiveId" clId="{373F838E-5C2C-4165-ADE2-029FA20D86FA}" dt="2021-08-27T06:25:58.442" v="5885" actId="20577"/>
       <pc:docMkLst>
         <pc:docMk/>
       </pc:docMkLst>
@@ -1691,7 +1691,7 @@
         </pc:picChg>
       </pc:sldChg>
       <pc:sldChg chg="addSp delSp modSp new mod modTransition modNotesTx">
-        <pc:chgData name="Judson Santiago" userId="ebb108da2f256286" providerId="LiveId" clId="{373F838E-5C2C-4165-ADE2-029FA20D86FA}" dt="2021-08-26T06:44:49.957" v="5614"/>
+        <pc:chgData name="Judson Santiago" userId="ebb108da2f256286" providerId="LiveId" clId="{373F838E-5C2C-4165-ADE2-029FA20D86FA}" dt="2021-08-27T06:25:58.442" v="5885" actId="20577"/>
         <pc:sldMkLst>
           <pc:docMk/>
           <pc:sldMk cId="410277889" sldId="331"/>
@@ -1721,7 +1721,7 @@
           </ac:spMkLst>
         </pc:spChg>
         <pc:spChg chg="add mod">
-          <ac:chgData name="Judson Santiago" userId="ebb108da2f256286" providerId="LiveId" clId="{373F838E-5C2C-4165-ADE2-029FA20D86FA}" dt="2021-08-26T05:51:13.532" v="3714" actId="1076"/>
+          <ac:chgData name="Judson Santiago" userId="ebb108da2f256286" providerId="LiveId" clId="{373F838E-5C2C-4165-ADE2-029FA20D86FA}" dt="2021-08-27T06:25:58.442" v="5885" actId="20577"/>
           <ac:spMkLst>
             <pc:docMk/>
             <pc:sldMk cId="410277889" sldId="331"/>
@@ -2416,7 +2416,7 @@
           <a:p>
             <a:fld id="{4EE124E1-33A7-455C-8CC3-2478ADA7C92A}" type="datetimeFigureOut">
               <a:rPr lang="pt-BR" smtClean="0"/>
-              <a:t>26/08/2021</a:t>
+              <a:t>27/08/2021</a:t>
             </a:fld>
             <a:endParaRPr lang="pt-BR"/>
           </a:p>
@@ -2582,7 +2582,7 @@
             <a:fld id="{4C457FC9-8E1D-4A40-BFF1-0E630693B1AB}" type="datetimeFigureOut">
               <a:rPr lang="pt-BR" smtClean="0"/>
               <a:pPr/>
-              <a:t>26/08/2021</a:t>
+              <a:t>27/08/2021</a:t>
             </a:fld>
             <a:endParaRPr lang="pt-BR"/>
           </a:p>
@@ -4857,7 +4857,7 @@
             <a:fld id="{B41ABA4E-CD72-497B-97AA-7213B3980F60}" type="datetimeFigureOut">
               <a:rPr lang="en-US" smtClean="0"/>
               <a:pPr/>
-              <a:t>8/26/2021</a:t>
+              <a:t>8/27/2021</a:t>
             </a:fld>
             <a:endParaRPr lang="en-US" dirty="0"/>
           </a:p>
@@ -5034,7 +5034,7 @@
             <a:fld id="{B41ABA4E-CD72-497B-97AA-7213B3980F60}" type="datetimeFigureOut">
               <a:rPr lang="en-US" smtClean="0"/>
               <a:pPr/>
-              <a:t>8/26/2021</a:t>
+              <a:t>8/27/2021</a:t>
             </a:fld>
             <a:endParaRPr lang="en-US" dirty="0"/>
           </a:p>
@@ -5230,7 +5230,7 @@
             <a:fld id="{B41ABA4E-CD72-497B-97AA-7213B3980F60}" type="datetimeFigureOut">
               <a:rPr lang="en-US" smtClean="0"/>
               <a:pPr/>
-              <a:t>8/26/2021</a:t>
+              <a:t>8/27/2021</a:t>
             </a:fld>
             <a:endParaRPr lang="en-US" dirty="0"/>
           </a:p>
@@ -5491,7 +5491,7 @@
             <a:fld id="{B41ABA4E-CD72-497B-97AA-7213B3980F60}" type="datetimeFigureOut">
               <a:rPr lang="en-US" smtClean="0"/>
               <a:pPr/>
-              <a:t>8/26/2021</a:t>
+              <a:t>8/27/2021</a:t>
             </a:fld>
             <a:endParaRPr lang="en-US" dirty="0"/>
           </a:p>
@@ -5892,7 +5892,7 @@
             <a:fld id="{B41ABA4E-CD72-497B-97AA-7213B3980F60}" type="datetimeFigureOut">
               <a:rPr lang="en-US" smtClean="0"/>
               <a:pPr/>
-              <a:t>8/26/2021</a:t>
+              <a:t>8/27/2021</a:t>
             </a:fld>
             <a:endParaRPr lang="en-US" dirty="0"/>
           </a:p>
@@ -6332,7 +6332,7 @@
             <a:fld id="{B41ABA4E-CD72-497B-97AA-7213B3980F60}" type="datetimeFigureOut">
               <a:rPr lang="en-US" smtClean="0"/>
               <a:pPr/>
-              <a:t>8/26/2021</a:t>
+              <a:t>8/27/2021</a:t>
             </a:fld>
             <a:endParaRPr lang="en-US" dirty="0"/>
           </a:p>
@@ -6429,7 +6429,7 @@
             <a:fld id="{B41ABA4E-CD72-497B-97AA-7213B3980F60}" type="datetimeFigureOut">
               <a:rPr lang="en-US" smtClean="0"/>
               <a:pPr/>
-              <a:t>8/26/2021</a:t>
+              <a:t>8/27/2021</a:t>
             </a:fld>
             <a:endParaRPr lang="en-US" dirty="0"/>
           </a:p>
@@ -6544,7 +6544,7 @@
             <a:fld id="{B41ABA4E-CD72-497B-97AA-7213B3980F60}" type="datetimeFigureOut">
               <a:rPr lang="en-US" smtClean="0"/>
               <a:pPr/>
-              <a:t>8/26/2021</a:t>
+              <a:t>8/27/2021</a:t>
             </a:fld>
             <a:endParaRPr lang="en-US" dirty="0"/>
           </a:p>
@@ -6814,7 +6814,7 @@
             <a:fld id="{B41ABA4E-CD72-497B-97AA-7213B3980F60}" type="datetimeFigureOut">
               <a:rPr lang="en-US" smtClean="0"/>
               <a:pPr/>
-              <a:t>8/26/2021</a:t>
+              <a:t>8/27/2021</a:t>
             </a:fld>
             <a:endParaRPr lang="en-US" dirty="0"/>
           </a:p>
@@ -7017,7 +7017,7 @@
             <a:fld id="{B41ABA4E-CD72-497B-97AA-7213B3980F60}" type="datetimeFigureOut">
               <a:rPr lang="en-US" smtClean="0"/>
               <a:pPr/>
-              <a:t>8/26/2021</a:t>
+              <a:t>8/27/2021</a:t>
             </a:fld>
             <a:endParaRPr lang="en-US" dirty="0"/>
           </a:p>
@@ -8212,7 +8212,7 @@
             <a:fld id="{B41ABA4E-CD72-497B-97AA-7213B3980F60}" type="datetimeFigureOut">
               <a:rPr lang="en-US" smtClean="0"/>
               <a:pPr/>
-              <a:t>8/26/2021</a:t>
+              <a:t>8/27/2021</a:t>
             </a:fld>
             <a:endParaRPr lang="en-US" dirty="0"/>
           </a:p>
@@ -29283,7 +29283,7 @@
                 </a:solidFill>
                 <a:latin typeface="Consolas" panose="020B0609020204030204" pitchFamily="49" charset="0"/>
               </a:rPr>
-              <a:t> (y &lt; p-&gt;</a:t>
+              <a:t> (y &lt; pivot-&gt;</a:t>
             </a:r>
             <a:r>
               <a:rPr lang="en-US" sz="1600" dirty="0">
@@ -29346,7 +29346,7 @@
                 </a:solidFill>
                 <a:latin typeface="Consolas" panose="020B0609020204030204" pitchFamily="49" charset="0"/>
               </a:rPr>
-              <a:t> (p-&gt;left)</a:t>
+              <a:t> (pivot-&gt;left)</a:t>
             </a:r>
           </a:p>
           <a:p>
@@ -29389,7 +29389,7 @@
                 </a:solidFill>
                 <a:latin typeface="Consolas" panose="020B0609020204030204" pitchFamily="49" charset="0"/>
               </a:rPr>
-              <a:t>(x, p-&gt;</a:t>
+              <a:t>(x, pivot-&gt;</a:t>
             </a:r>
             <a:r>
               <a:rPr lang="en-US" sz="1600" dirty="0">
